--- a/USPSA/Out of my way, punk.pptx
+++ b/USPSA/Out of my way, punk.pptx
@@ -258,7 +258,7 @@
               <a:pPr>
                 <a:defRPr/>
               </a:pPr>
-              <a:t>27.03.2021</a:t>
+              <a:t>3/28/21</a:t>
             </a:fld>
             <a:endParaRPr lang="en-US"/>
           </a:p>
@@ -4235,7 +4235,7 @@
           <p:nvPr>
             <p:extLst>
               <p:ext uri="{D42A27DB-BD31-4B8C-83A1-F6EECF244321}">
-                <p14:modId xmlns:p14="http://schemas.microsoft.com/office/powerpoint/2010/main" val="3800941919"/>
+                <p14:modId xmlns:p14="http://schemas.microsoft.com/office/powerpoint/2010/main" val="3495003462"/>
               </p:ext>
             </p:extLst>
           </p:nvPr>
@@ -5015,7 +5015,22 @@
                           <a:ea typeface="ＭＳ Ｐゴシック" pitchFamily="-112" charset="-128"/>
                           <a:cs typeface="Times New Roman" pitchFamily="-112" charset="0"/>
                         </a:rPr>
-                        <a:t>On the start signal, engage T1-T6 with one round each, strong hand only.</a:t>
+                        <a:t>On the start signal, engage T1-T6 with one round each, strong hand only, from </a:t>
+                      </a:r>
+                      <a:r>
+                        <a:rPr kumimoji="0" lang="en-US" sz="1100" b="0" i="0" u="none" strike="noStrike" cap="none" normalizeH="0" baseline="0">
+                          <a:ln>
+                            <a:noFill/>
+                          </a:ln>
+                          <a:solidFill>
+                            <a:schemeClr val="tx1"/>
+                          </a:solidFill>
+                          <a:effectLst/>
+                          <a:latin typeface="Arial" charset="0"/>
+                          <a:ea typeface="ＭＳ Ｐゴシック" pitchFamily="-112" charset="-128"/>
+                          <a:cs typeface="Times New Roman" pitchFamily="-112" charset="0"/>
+                        </a:rPr>
+                        <a:t>either box.</a:t>
                       </a:r>
                     </a:p>
                     <a:p>
